--- a/게임 경진대회 발표자료/No Honor.pptx
+++ b/게임 경진대회 발표자료/No Honor.pptx
@@ -13,7 +13,8 @@
     <p:sldId id="258" r:id="rId7"/>
     <p:sldId id="260" r:id="rId8"/>
     <p:sldId id="261" r:id="rId9"/>
-    <p:sldId id="262" r:id="rId10"/>
+    <p:sldId id="265" r:id="rId10"/>
+    <p:sldId id="262" r:id="rId11"/>
   </p:sldIdLst>
   <p:sldSz cx="12192000" cy="6858000"/>
   <p:notesSz cx="6858000" cy="9144000"/>
@@ -3900,6 +3901,101 @@
 </p:sld>
 </file>
 
+<file path=ppt/slides/slide10.xml><?xml version="1.0" encoding="utf-8"?>
+<p:sld xmlns:a="http://schemas.openxmlformats.org/drawingml/2006/main" xmlns:r="http://schemas.openxmlformats.org/officeDocument/2006/relationships" xmlns:p="http://schemas.openxmlformats.org/presentationml/2006/main">
+  <p:cSld>
+    <p:spTree>
+      <p:nvGrpSpPr>
+        <p:cNvPr id="1" name=""/>
+        <p:cNvGrpSpPr/>
+        <p:nvPr/>
+      </p:nvGrpSpPr>
+      <p:grpSpPr>
+        <a:xfrm>
+          <a:off x="0" y="0"/>
+          <a:ext cx="0" cy="0"/>
+          <a:chOff x="0" y="0"/>
+          <a:chExt cx="0" cy="0"/>
+        </a:xfrm>
+      </p:grpSpPr>
+      <p:sp>
+        <p:nvSpPr>
+          <p:cNvPr id="2" name="제목 1">
+            <a:extLst>
+              <a:ext uri="{FF2B5EF4-FFF2-40B4-BE49-F238E27FC236}">
+                <a16:creationId xmlns:a16="http://schemas.microsoft.com/office/drawing/2014/main" id="{F134D68A-672B-465B-812E-D24BCD425608}"/>
+              </a:ext>
+            </a:extLst>
+          </p:cNvPr>
+          <p:cNvSpPr>
+            <a:spLocks noGrp="1"/>
+          </p:cNvSpPr>
+          <p:nvPr>
+            <p:ph type="title"/>
+          </p:nvPr>
+        </p:nvSpPr>
+        <p:spPr/>
+        <p:txBody>
+          <a:bodyPr/>
+          <a:lstStyle/>
+          <a:p>
+            <a:r>
+              <a:rPr lang="ko-KR" altLang="en-US" dirty="0"/>
+              <a:t>시연 동영상</a:t>
+            </a:r>
+          </a:p>
+        </p:txBody>
+      </p:sp>
+      <p:sp>
+        <p:nvSpPr>
+          <p:cNvPr id="3" name="내용 개체 틀 2">
+            <a:extLst>
+              <a:ext uri="{FF2B5EF4-FFF2-40B4-BE49-F238E27FC236}">
+                <a16:creationId xmlns:a16="http://schemas.microsoft.com/office/drawing/2014/main" id="{A0C4EC26-902F-4E59-B4D1-0CB5B0CACC6A}"/>
+              </a:ext>
+            </a:extLst>
+          </p:cNvPr>
+          <p:cNvSpPr>
+            <a:spLocks noGrp="1"/>
+          </p:cNvSpPr>
+          <p:nvPr>
+            <p:ph idx="1"/>
+          </p:nvPr>
+        </p:nvSpPr>
+        <p:spPr/>
+        <p:txBody>
+          <a:bodyPr/>
+          <a:lstStyle/>
+          <a:p>
+            <a:r>
+              <a:rPr lang="en-US" altLang="ko-KR" dirty="0">
+                <a:hlinkClick r:id="rId2"/>
+              </a:rPr>
+              <a:t>https://youtu.be/ysLxxLi1jlA</a:t>
+            </a:r>
+            <a:endParaRPr lang="en-US" altLang="ko-KR" dirty="0"/>
+          </a:p>
+          <a:p>
+            <a:endParaRPr lang="en-US" altLang="ko-KR" dirty="0"/>
+          </a:p>
+          <a:p>
+            <a:endParaRPr lang="ko-KR" altLang="en-US" dirty="0"/>
+          </a:p>
+        </p:txBody>
+      </p:sp>
+    </p:spTree>
+    <p:extLst>
+      <p:ext uri="{BB962C8B-B14F-4D97-AF65-F5344CB8AC3E}">
+        <p14:creationId xmlns:p14="http://schemas.microsoft.com/office/powerpoint/2010/main" val="1956260481"/>
+      </p:ext>
+    </p:extLst>
+  </p:cSld>
+  <p:clrMapOvr>
+    <a:masterClrMapping/>
+  </p:clrMapOvr>
+</p:sld>
+</file>
+
 <file path=ppt/slides/slide2.xml><?xml version="1.0" encoding="utf-8"?>
 <p:sld xmlns:a="http://schemas.openxmlformats.org/drawingml/2006/main" xmlns:r="http://schemas.openxmlformats.org/officeDocument/2006/relationships" xmlns:p="http://schemas.openxmlformats.org/presentationml/2006/main">
   <p:cSld>
@@ -4931,7 +5027,7 @@
           <p:cNvPr id="2" name="제목 1">
             <a:extLst>
               <a:ext uri="{FF2B5EF4-FFF2-40B4-BE49-F238E27FC236}">
-                <a16:creationId xmlns:a16="http://schemas.microsoft.com/office/drawing/2014/main" id="{F134D68A-672B-465B-812E-D24BCD425608}"/>
+                <a16:creationId xmlns:a16="http://schemas.microsoft.com/office/drawing/2014/main" id="{823AF7C6-29DA-45DC-89C7-9659978DD8C9}"/>
               </a:ext>
             </a:extLst>
           </p:cNvPr>
@@ -4949,52 +5045,50 @@
           <a:p>
             <a:r>
               <a:rPr lang="ko-KR" altLang="en-US" dirty="0"/>
-              <a:t>시연 동영상</a:t>
-            </a:r>
-          </a:p>
-        </p:txBody>
-      </p:sp>
-      <p:sp>
-        <p:nvSpPr>
-          <p:cNvPr id="3" name="내용 개체 틀 2">
+              <a:t>직관적인 아이템</a:t>
+            </a:r>
+            <a:r>
+              <a:rPr lang="en-US" altLang="ko-KR" dirty="0"/>
+              <a:t>!</a:t>
+            </a:r>
+            <a:endParaRPr lang="ko-KR" altLang="en-US" dirty="0"/>
+          </a:p>
+        </p:txBody>
+      </p:sp>
+      <p:pic>
+        <p:nvPicPr>
+          <p:cNvPr id="4" name="그림 3">
             <a:extLst>
               <a:ext uri="{FF2B5EF4-FFF2-40B4-BE49-F238E27FC236}">
-                <a16:creationId xmlns:a16="http://schemas.microsoft.com/office/drawing/2014/main" id="{A0C4EC26-902F-4E59-B4D1-0CB5B0CACC6A}"/>
+                <a16:creationId xmlns:a16="http://schemas.microsoft.com/office/drawing/2014/main" id="{2A0630CA-6284-43E0-AE48-D0398B773D29}"/>
               </a:ext>
             </a:extLst>
           </p:cNvPr>
-          <p:cNvSpPr>
-            <a:spLocks noGrp="1"/>
-          </p:cNvSpPr>
-          <p:nvPr>
-            <p:ph idx="1"/>
-          </p:nvPr>
-        </p:nvSpPr>
-        <p:spPr/>
-        <p:txBody>
-          <a:bodyPr/>
-          <a:lstStyle/>
-          <a:p>
-            <a:r>
-              <a:rPr lang="en-US" altLang="ko-KR" dirty="0">
-                <a:hlinkClick r:id="rId2"/>
-              </a:rPr>
-              <a:t>https://youtu.be/ysLxxLi1jlA</a:t>
-            </a:r>
-            <a:endParaRPr lang="en-US" altLang="ko-KR" dirty="0"/>
-          </a:p>
-          <a:p>
-            <a:endParaRPr lang="en-US" altLang="ko-KR" dirty="0"/>
-          </a:p>
-          <a:p>
-            <a:endParaRPr lang="ko-KR" altLang="en-US" dirty="0"/>
-          </a:p>
-        </p:txBody>
-      </p:sp>
+          <p:cNvPicPr>
+            <a:picLocks noChangeAspect="1"/>
+          </p:cNvPicPr>
+          <p:nvPr/>
+        </p:nvPicPr>
+        <p:blipFill>
+          <a:blip r:embed="rId2"/>
+          <a:stretch>
+            <a:fillRect/>
+          </a:stretch>
+        </p:blipFill>
+        <p:spPr>
+          <a:xfrm>
+            <a:off x="2437889" y="1976690"/>
+            <a:ext cx="7316221" cy="4115374"/>
+          </a:xfrm>
+          <a:prstGeom prst="rect">
+            <a:avLst/>
+          </a:prstGeom>
+        </p:spPr>
+      </p:pic>
     </p:spTree>
     <p:extLst>
       <p:ext uri="{BB962C8B-B14F-4D97-AF65-F5344CB8AC3E}">
-        <p14:creationId xmlns:p14="http://schemas.microsoft.com/office/powerpoint/2010/main" val="1956260481"/>
+        <p14:creationId xmlns:p14="http://schemas.microsoft.com/office/powerpoint/2010/main" val="2902286945"/>
       </p:ext>
     </p:extLst>
   </p:cSld>

--- a/게임 경진대회 발표자료/No Honor.pptx
+++ b/게임 경진대회 발표자료/No Honor.pptx
@@ -347,7 +347,7 @@
           <a:p>
             <a:fld id="{5CCF94EB-A07B-4698-A597-15DE72012D44}" type="datetimeFigureOut">
               <a:rPr lang="ko-KR" altLang="en-US" smtClean="0"/>
-              <a:t>2019-12-05</a:t>
+              <a:t>2019-12-18</a:t>
             </a:fld>
             <a:endParaRPr lang="ko-KR" altLang="en-US"/>
           </a:p>
@@ -555,7 +555,7 @@
           <a:p>
             <a:fld id="{5CCF94EB-A07B-4698-A597-15DE72012D44}" type="datetimeFigureOut">
               <a:rPr lang="ko-KR" altLang="en-US" smtClean="0"/>
-              <a:t>2019-12-05</a:t>
+              <a:t>2019-12-18</a:t>
             </a:fld>
             <a:endParaRPr lang="ko-KR" altLang="en-US"/>
           </a:p>
@@ -811,7 +811,7 @@
           <a:p>
             <a:fld id="{5CCF94EB-A07B-4698-A597-15DE72012D44}" type="datetimeFigureOut">
               <a:rPr lang="ko-KR" altLang="en-US" smtClean="0"/>
-              <a:t>2019-12-05</a:t>
+              <a:t>2019-12-18</a:t>
             </a:fld>
             <a:endParaRPr lang="ko-KR" altLang="en-US"/>
           </a:p>
@@ -985,7 +985,7 @@
           <a:p>
             <a:fld id="{5CCF94EB-A07B-4698-A597-15DE72012D44}" type="datetimeFigureOut">
               <a:rPr lang="ko-KR" altLang="en-US" smtClean="0"/>
-              <a:t>2019-12-05</a:t>
+              <a:t>2019-12-18</a:t>
             </a:fld>
             <a:endParaRPr lang="ko-KR" altLang="en-US"/>
           </a:p>
@@ -1328,7 +1328,7 @@
           <a:p>
             <a:fld id="{5CCF94EB-A07B-4698-A597-15DE72012D44}" type="datetimeFigureOut">
               <a:rPr lang="ko-KR" altLang="en-US" smtClean="0"/>
-              <a:t>2019-12-05</a:t>
+              <a:t>2019-12-18</a:t>
             </a:fld>
             <a:endParaRPr lang="ko-KR" altLang="en-US"/>
           </a:p>
@@ -1603,7 +1603,7 @@
           <a:p>
             <a:fld id="{5CCF94EB-A07B-4698-A597-15DE72012D44}" type="datetimeFigureOut">
               <a:rPr lang="ko-KR" altLang="en-US" smtClean="0"/>
-              <a:t>2019-12-05</a:t>
+              <a:t>2019-12-18</a:t>
             </a:fld>
             <a:endParaRPr lang="ko-KR" altLang="en-US"/>
           </a:p>
@@ -1982,7 +1982,7 @@
           <a:p>
             <a:fld id="{5CCF94EB-A07B-4698-A597-15DE72012D44}" type="datetimeFigureOut">
               <a:rPr lang="ko-KR" altLang="en-US" smtClean="0"/>
-              <a:t>2019-12-05</a:t>
+              <a:t>2019-12-18</a:t>
             </a:fld>
             <a:endParaRPr lang="ko-KR" altLang="en-US"/>
           </a:p>
@@ -2100,7 +2100,7 @@
           <a:p>
             <a:fld id="{5CCF94EB-A07B-4698-A597-15DE72012D44}" type="datetimeFigureOut">
               <a:rPr lang="ko-KR" altLang="en-US" smtClean="0"/>
-              <a:t>2019-12-05</a:t>
+              <a:t>2019-12-18</a:t>
             </a:fld>
             <a:endParaRPr lang="ko-KR" altLang="en-US"/>
           </a:p>
@@ -2271,7 +2271,7 @@
           <a:p>
             <a:fld id="{5CCF94EB-A07B-4698-A597-15DE72012D44}" type="datetimeFigureOut">
               <a:rPr lang="ko-KR" altLang="en-US" smtClean="0"/>
-              <a:t>2019-12-05</a:t>
+              <a:t>2019-12-18</a:t>
             </a:fld>
             <a:endParaRPr lang="ko-KR" altLang="en-US"/>
           </a:p>
@@ -2625,7 +2625,7 @@
           <a:p>
             <a:fld id="{5CCF94EB-A07B-4698-A597-15DE72012D44}" type="datetimeFigureOut">
               <a:rPr lang="ko-KR" altLang="en-US" smtClean="0"/>
-              <a:t>2019-12-05</a:t>
+              <a:t>2019-12-18</a:t>
             </a:fld>
             <a:endParaRPr lang="ko-KR" altLang="en-US"/>
           </a:p>
@@ -3007,7 +3007,7 @@
           <a:p>
             <a:fld id="{5CCF94EB-A07B-4698-A597-15DE72012D44}" type="datetimeFigureOut">
               <a:rPr lang="ko-KR" altLang="en-US" smtClean="0"/>
-              <a:t>2019-12-05</a:t>
+              <a:t>2019-12-18</a:t>
             </a:fld>
             <a:endParaRPr lang="ko-KR" altLang="en-US"/>
           </a:p>
@@ -3294,7 +3294,7 @@
           <a:p>
             <a:fld id="{5CCF94EB-A07B-4698-A597-15DE72012D44}" type="datetimeFigureOut">
               <a:rPr lang="ko-KR" altLang="en-US" smtClean="0"/>
-              <a:t>2019-12-05</a:t>
+              <a:t>2019-12-18</a:t>
             </a:fld>
             <a:endParaRPr lang="ko-KR" altLang="en-US"/>
           </a:p>
@@ -3971,14 +3971,18 @@
               <a:rPr lang="en-US" altLang="ko-KR" dirty="0">
                 <a:hlinkClick r:id="rId2"/>
               </a:rPr>
-              <a:t>https://youtu.be/ysLxxLi1jlA</a:t>
-            </a:r>
-            <a:endParaRPr lang="en-US" altLang="ko-KR" dirty="0"/>
-          </a:p>
-          <a:p>
-            <a:endParaRPr lang="en-US" altLang="ko-KR" dirty="0"/>
-          </a:p>
-          <a:p>
+              <a:t>https://youtu.be</a:t>
+            </a:r>
+            <a:r>
+              <a:rPr lang="en-US" altLang="ko-KR">
+                <a:hlinkClick r:id="rId2"/>
+              </a:rPr>
+              <a:t>/SNuS9v426bk</a:t>
+            </a:r>
+            <a:r>
+              <a:rPr lang="en-US" altLang="ko-KR"/>
+              <a:t>  </a:t>
+            </a:r>
             <a:endParaRPr lang="ko-KR" altLang="en-US" dirty="0"/>
           </a:p>
         </p:txBody>
@@ -4863,10 +4867,10 @@
       </p:sp>
       <p:pic>
         <p:nvPicPr>
-          <p:cNvPr id="5" name="그림 4">
+          <p:cNvPr id="3" name="그림 2">
             <a:extLst>
               <a:ext uri="{FF2B5EF4-FFF2-40B4-BE49-F238E27FC236}">
-                <a16:creationId xmlns:a16="http://schemas.microsoft.com/office/drawing/2014/main" id="{59F0CC53-D38D-4393-B733-BBCC134626C5}"/>
+                <a16:creationId xmlns:a16="http://schemas.microsoft.com/office/drawing/2014/main" id="{04DDA1FF-6F48-4A67-8DAA-D2FCDC6DCA68}"/>
               </a:ext>
             </a:extLst>
           </p:cNvPr>
@@ -4883,12 +4887,59 @@
         </p:blipFill>
         <p:spPr>
           <a:xfrm>
-            <a:off x="2482659" y="1938138"/>
-            <a:ext cx="7287642" cy="4105848"/>
+            <a:off x="6351272" y="2401863"/>
+            <a:ext cx="5077778" cy="2864558"/>
           </a:xfrm>
           <a:prstGeom prst="rect">
             <a:avLst/>
           </a:prstGeom>
+        </p:spPr>
+      </p:pic>
+      <p:pic>
+        <p:nvPicPr>
+          <p:cNvPr id="2050" name="Picture 2" descr="모바일 배그 인벤토리 이미지 검색결과&quot;">
+            <a:extLst>
+              <a:ext uri="{FF2B5EF4-FFF2-40B4-BE49-F238E27FC236}">
+                <a16:creationId xmlns:a16="http://schemas.microsoft.com/office/drawing/2014/main" id="{4F5C7851-9444-4307-B3EB-80AE7486D3C3}"/>
+              </a:ext>
+            </a:extLst>
+          </p:cNvPr>
+          <p:cNvPicPr>
+            <a:picLocks noChangeAspect="1" noChangeArrowheads="1"/>
+          </p:cNvPicPr>
+          <p:nvPr/>
+        </p:nvPicPr>
+        <p:blipFill>
+          <a:blip r:embed="rId3">
+            <a:extLst>
+              <a:ext uri="{28A0092B-C50C-407E-A947-70E740481C1C}">
+                <a14:useLocalDpi xmlns:a14="http://schemas.microsoft.com/office/drawing/2010/main" val="0"/>
+              </a:ext>
+            </a:extLst>
+          </a:blip>
+          <a:srcRect/>
+          <a:stretch>
+            <a:fillRect/>
+          </a:stretch>
+        </p:blipFill>
+        <p:spPr bwMode="auto">
+          <a:xfrm>
+            <a:off x="1097280" y="2401863"/>
+            <a:ext cx="4743450" cy="2943225"/>
+          </a:xfrm>
+          <a:prstGeom prst="rect">
+            <a:avLst/>
+          </a:prstGeom>
+          <a:noFill/>
+          <a:extLst>
+            <a:ext uri="{909E8E84-426E-40DD-AFC4-6F175D3DCCD1}">
+              <a14:hiddenFill xmlns:a14="http://schemas.microsoft.com/office/drawing/2010/main">
+                <a:solidFill>
+                  <a:srgbClr val="FFFFFF"/>
+                </a:solidFill>
+              </a14:hiddenFill>
+            </a:ext>
+          </a:extLst>
         </p:spPr>
       </p:pic>
     </p:spTree>
@@ -4984,12 +5035,59 @@
         </p:blipFill>
         <p:spPr>
           <a:xfrm>
-            <a:off x="2477896" y="1982571"/>
-            <a:ext cx="7297168" cy="4134427"/>
+            <a:off x="6515155" y="2435078"/>
+            <a:ext cx="5189377" cy="2940195"/>
           </a:xfrm>
           <a:prstGeom prst="rect">
             <a:avLst/>
           </a:prstGeom>
+        </p:spPr>
+      </p:pic>
+      <p:pic>
+        <p:nvPicPr>
+          <p:cNvPr id="1026" name="Picture 2" descr="모바일 배그 이미지 검색결과&quot;">
+            <a:extLst>
+              <a:ext uri="{FF2B5EF4-FFF2-40B4-BE49-F238E27FC236}">
+                <a16:creationId xmlns:a16="http://schemas.microsoft.com/office/drawing/2014/main" id="{31CFDBB1-AFFF-40A7-93E2-50B8280A9141}"/>
+              </a:ext>
+            </a:extLst>
+          </p:cNvPr>
+          <p:cNvPicPr>
+            <a:picLocks noChangeAspect="1" noChangeArrowheads="1"/>
+          </p:cNvPicPr>
+          <p:nvPr/>
+        </p:nvPicPr>
+        <p:blipFill>
+          <a:blip r:embed="rId3">
+            <a:extLst>
+              <a:ext uri="{28A0092B-C50C-407E-A947-70E740481C1C}">
+                <a14:useLocalDpi xmlns:a14="http://schemas.microsoft.com/office/drawing/2010/main" val="0"/>
+              </a:ext>
+            </a:extLst>
+          </a:blip>
+          <a:srcRect/>
+          <a:stretch>
+            <a:fillRect/>
+          </a:stretch>
+        </p:blipFill>
+        <p:spPr bwMode="auto">
+          <a:xfrm>
+            <a:off x="698241" y="2456249"/>
+            <a:ext cx="5189376" cy="2919024"/>
+          </a:xfrm>
+          <a:prstGeom prst="rect">
+            <a:avLst/>
+          </a:prstGeom>
+          <a:noFill/>
+          <a:extLst>
+            <a:ext uri="{909E8E84-426E-40DD-AFC4-6F175D3DCCD1}">
+              <a14:hiddenFill xmlns:a14="http://schemas.microsoft.com/office/drawing/2010/main">
+                <a:solidFill>
+                  <a:srgbClr val="FFFFFF"/>
+                </a:solidFill>
+              </a14:hiddenFill>
+            </a:ext>
+          </a:extLst>
         </p:spPr>
       </p:pic>
     </p:spTree>
